--- a/figures/backgroung.pptx
+++ b/figures/backgroung.pptx
@@ -6,6 +6,7 @@
   </p:sldMasterIdLst>
   <p:sldIdLst>
     <p:sldId id="256" r:id="rId2"/>
+    <p:sldId id="257" r:id="rId3"/>
   </p:sldIdLst>
   <p:sldSz cx="12192000" cy="6858000"/>
   <p:notesSz cx="6858000" cy="9144000"/>
@@ -104,6 +105,11 @@
       </a:defRPr>
     </a:lvl9pPr>
   </p:defaultTextStyle>
+  <p:extLst>
+    <p:ext uri="{EFAFB233-063F-42B5-8137-9DF3F51BA10A}">
+      <p15:sldGuideLst xmlns:p15="http://schemas.microsoft.com/office/powerpoint/2012/main"/>
+    </p:ext>
+  </p:extLst>
 </p:presentation>
 </file>
 
@@ -254,7 +260,7 @@
           <a:p>
             <a:fld id="{67F9878C-4404-4F03-A108-931E5D42166C}" type="datetimeFigureOut">
               <a:rPr lang="zh-CN" altLang="en-US" smtClean="0"/>
-              <a:t>2024/10/16</a:t>
+              <a:t>2024/10/22</a:t>
             </a:fld>
             <a:endParaRPr lang="zh-CN" altLang="en-US"/>
           </a:p>
@@ -452,7 +458,7 @@
           <a:p>
             <a:fld id="{67F9878C-4404-4F03-A108-931E5D42166C}" type="datetimeFigureOut">
               <a:rPr lang="zh-CN" altLang="en-US" smtClean="0"/>
-              <a:t>2024/10/16</a:t>
+              <a:t>2024/10/22</a:t>
             </a:fld>
             <a:endParaRPr lang="zh-CN" altLang="en-US"/>
           </a:p>
@@ -660,7 +666,7 @@
           <a:p>
             <a:fld id="{67F9878C-4404-4F03-A108-931E5D42166C}" type="datetimeFigureOut">
               <a:rPr lang="zh-CN" altLang="en-US" smtClean="0"/>
-              <a:t>2024/10/16</a:t>
+              <a:t>2024/10/22</a:t>
             </a:fld>
             <a:endParaRPr lang="zh-CN" altLang="en-US"/>
           </a:p>
@@ -858,7 +864,7 @@
           <a:p>
             <a:fld id="{67F9878C-4404-4F03-A108-931E5D42166C}" type="datetimeFigureOut">
               <a:rPr lang="zh-CN" altLang="en-US" smtClean="0"/>
-              <a:t>2024/10/16</a:t>
+              <a:t>2024/10/22</a:t>
             </a:fld>
             <a:endParaRPr lang="zh-CN" altLang="en-US"/>
           </a:p>
@@ -1133,7 +1139,7 @@
           <a:p>
             <a:fld id="{67F9878C-4404-4F03-A108-931E5D42166C}" type="datetimeFigureOut">
               <a:rPr lang="zh-CN" altLang="en-US" smtClean="0"/>
-              <a:t>2024/10/16</a:t>
+              <a:t>2024/10/22</a:t>
             </a:fld>
             <a:endParaRPr lang="zh-CN" altLang="en-US"/>
           </a:p>
@@ -1398,7 +1404,7 @@
           <a:p>
             <a:fld id="{67F9878C-4404-4F03-A108-931E5D42166C}" type="datetimeFigureOut">
               <a:rPr lang="zh-CN" altLang="en-US" smtClean="0"/>
-              <a:t>2024/10/16</a:t>
+              <a:t>2024/10/22</a:t>
             </a:fld>
             <a:endParaRPr lang="zh-CN" altLang="en-US"/>
           </a:p>
@@ -1810,7 +1816,7 @@
           <a:p>
             <a:fld id="{67F9878C-4404-4F03-A108-931E5D42166C}" type="datetimeFigureOut">
               <a:rPr lang="zh-CN" altLang="en-US" smtClean="0"/>
-              <a:t>2024/10/16</a:t>
+              <a:t>2024/10/22</a:t>
             </a:fld>
             <a:endParaRPr lang="zh-CN" altLang="en-US"/>
           </a:p>
@@ -1951,7 +1957,7 @@
           <a:p>
             <a:fld id="{67F9878C-4404-4F03-A108-931E5D42166C}" type="datetimeFigureOut">
               <a:rPr lang="zh-CN" altLang="en-US" smtClean="0"/>
-              <a:t>2024/10/16</a:t>
+              <a:t>2024/10/22</a:t>
             </a:fld>
             <a:endParaRPr lang="zh-CN" altLang="en-US"/>
           </a:p>
@@ -2064,7 +2070,7 @@
           <a:p>
             <a:fld id="{67F9878C-4404-4F03-A108-931E5D42166C}" type="datetimeFigureOut">
               <a:rPr lang="zh-CN" altLang="en-US" smtClean="0"/>
-              <a:t>2024/10/16</a:t>
+              <a:t>2024/10/22</a:t>
             </a:fld>
             <a:endParaRPr lang="zh-CN" altLang="en-US"/>
           </a:p>
@@ -2375,7 +2381,7 @@
           <a:p>
             <a:fld id="{67F9878C-4404-4F03-A108-931E5D42166C}" type="datetimeFigureOut">
               <a:rPr lang="zh-CN" altLang="en-US" smtClean="0"/>
-              <a:t>2024/10/16</a:t>
+              <a:t>2024/10/22</a:t>
             </a:fld>
             <a:endParaRPr lang="zh-CN" altLang="en-US"/>
           </a:p>
@@ -2663,7 +2669,7 @@
           <a:p>
             <a:fld id="{67F9878C-4404-4F03-A108-931E5D42166C}" type="datetimeFigureOut">
               <a:rPr lang="zh-CN" altLang="en-US" smtClean="0"/>
-              <a:t>2024/10/16</a:t>
+              <a:t>2024/10/22</a:t>
             </a:fld>
             <a:endParaRPr lang="zh-CN" altLang="en-US"/>
           </a:p>
@@ -2904,7 +2910,7 @@
           <a:p>
             <a:fld id="{67F9878C-4404-4F03-A108-931E5D42166C}" type="datetimeFigureOut">
               <a:rPr lang="zh-CN" altLang="en-US" smtClean="0"/>
-              <a:t>2024/10/16</a:t>
+              <a:t>2024/10/22</a:t>
             </a:fld>
             <a:endParaRPr lang="zh-CN" altLang="en-US"/>
           </a:p>
@@ -4470,6 +4476,1153 @@
 </p:sld>
 </file>
 
+<file path=ppt/slides/slide2.xml><?xml version="1.0" encoding="utf-8"?>
+<p:sld xmlns:a="http://schemas.openxmlformats.org/drawingml/2006/main" xmlns:r="http://schemas.openxmlformats.org/officeDocument/2006/relationships" xmlns:p="http://schemas.openxmlformats.org/presentationml/2006/main">
+  <p:cSld>
+    <p:spTree>
+      <p:nvGrpSpPr>
+        <p:cNvPr id="1" name=""/>
+        <p:cNvGrpSpPr/>
+        <p:nvPr/>
+      </p:nvGrpSpPr>
+      <p:grpSpPr>
+        <a:xfrm>
+          <a:off x="0" y="0"/>
+          <a:ext cx="0" cy="0"/>
+          <a:chOff x="0" y="0"/>
+          <a:chExt cx="0" cy="0"/>
+        </a:xfrm>
+      </p:grpSpPr>
+      <p:pic>
+        <p:nvPicPr>
+          <p:cNvPr id="5" name="图片 4">
+            <a:extLst>
+              <a:ext uri="{FF2B5EF4-FFF2-40B4-BE49-F238E27FC236}">
+                <a16:creationId xmlns:a16="http://schemas.microsoft.com/office/drawing/2014/main" id="{2712BBA4-5986-0219-A6F5-182EE72222B0}"/>
+              </a:ext>
+            </a:extLst>
+          </p:cNvPr>
+          <p:cNvPicPr>
+            <a:picLocks noChangeAspect="1"/>
+          </p:cNvPicPr>
+          <p:nvPr/>
+        </p:nvPicPr>
+        <p:blipFill>
+          <a:blip r:embed="rId2"/>
+          <a:stretch>
+            <a:fillRect/>
+          </a:stretch>
+        </p:blipFill>
+        <p:spPr>
+          <a:xfrm>
+            <a:off x="7901632" y="2384844"/>
+            <a:ext cx="927514" cy="860059"/>
+          </a:xfrm>
+          <a:prstGeom prst="rect">
+            <a:avLst/>
+          </a:prstGeom>
+        </p:spPr>
+      </p:pic>
+      <p:pic>
+        <p:nvPicPr>
+          <p:cNvPr id="6" name="图片 5">
+            <a:extLst>
+              <a:ext uri="{FF2B5EF4-FFF2-40B4-BE49-F238E27FC236}">
+                <a16:creationId xmlns:a16="http://schemas.microsoft.com/office/drawing/2014/main" id="{F5117643-1C67-15C9-B027-1E35BA2059F4}"/>
+              </a:ext>
+            </a:extLst>
+          </p:cNvPr>
+          <p:cNvPicPr>
+            <a:picLocks noChangeAspect="1"/>
+          </p:cNvPicPr>
+          <p:nvPr/>
+        </p:nvPicPr>
+        <p:blipFill>
+          <a:blip r:embed="rId2"/>
+          <a:stretch>
+            <a:fillRect/>
+          </a:stretch>
+        </p:blipFill>
+        <p:spPr>
+          <a:xfrm>
+            <a:off x="1347935" y="3071464"/>
+            <a:ext cx="927514" cy="860059"/>
+          </a:xfrm>
+          <a:prstGeom prst="rect">
+            <a:avLst/>
+          </a:prstGeom>
+        </p:spPr>
+      </p:pic>
+      <p:pic>
+        <p:nvPicPr>
+          <p:cNvPr id="7" name="图片 6">
+            <a:extLst>
+              <a:ext uri="{FF2B5EF4-FFF2-40B4-BE49-F238E27FC236}">
+                <a16:creationId xmlns:a16="http://schemas.microsoft.com/office/drawing/2014/main" id="{6A8C6764-ABE6-D0D2-4EF3-5618042D3D9E}"/>
+              </a:ext>
+            </a:extLst>
+          </p:cNvPr>
+          <p:cNvPicPr>
+            <a:picLocks noChangeAspect="1"/>
+          </p:cNvPicPr>
+          <p:nvPr/>
+        </p:nvPicPr>
+        <p:blipFill>
+          <a:blip r:embed="rId2"/>
+          <a:stretch>
+            <a:fillRect/>
+          </a:stretch>
+        </p:blipFill>
+        <p:spPr>
+          <a:xfrm>
+            <a:off x="7925129" y="3780080"/>
+            <a:ext cx="927514" cy="860059"/>
+          </a:xfrm>
+          <a:prstGeom prst="rect">
+            <a:avLst/>
+          </a:prstGeom>
+        </p:spPr>
+      </p:pic>
+      <p:sp>
+        <p:nvSpPr>
+          <p:cNvPr id="8" name="矩形: 圆角 7">
+            <a:extLst>
+              <a:ext uri="{FF2B5EF4-FFF2-40B4-BE49-F238E27FC236}">
+                <a16:creationId xmlns:a16="http://schemas.microsoft.com/office/drawing/2014/main" id="{ACFC3124-D154-50AA-0F98-46DB6ECF4BD2}"/>
+              </a:ext>
+            </a:extLst>
+          </p:cNvPr>
+          <p:cNvSpPr/>
+          <p:nvPr/>
+        </p:nvSpPr>
+        <p:spPr>
+          <a:xfrm>
+            <a:off x="2938060" y="3957296"/>
+            <a:ext cx="1258105" cy="527539"/>
+          </a:xfrm>
+          <a:prstGeom prst="roundRect">
+            <a:avLst/>
+          </a:prstGeom>
+          <a:solidFill>
+            <a:schemeClr val="bg1"/>
+          </a:solidFill>
+          <a:ln>
+            <a:solidFill>
+              <a:schemeClr val="tx1"/>
+            </a:solidFill>
+          </a:ln>
+        </p:spPr>
+        <p:style>
+          <a:lnRef idx="2">
+            <a:schemeClr val="accent1">
+              <a:shade val="15000"/>
+            </a:schemeClr>
+          </a:lnRef>
+          <a:fillRef idx="1">
+            <a:schemeClr val="accent1"/>
+          </a:fillRef>
+          <a:effectRef idx="0">
+            <a:schemeClr val="accent1"/>
+          </a:effectRef>
+          <a:fontRef idx="minor">
+            <a:schemeClr val="lt1"/>
+          </a:fontRef>
+        </p:style>
+        <p:txBody>
+          <a:bodyPr rtlCol="0" anchor="ctr"/>
+          <a:lstStyle/>
+          <a:p>
+            <a:pPr algn="ctr"/>
+            <a:r>
+              <a:rPr lang="zh-CN" altLang="en-US" sz="1600">
+                <a:solidFill>
+                  <a:schemeClr val="tx1"/>
+                </a:solidFill>
+                <a:latin typeface="宋体" panose="02010600030101010101" pitchFamily="2" charset="-122"/>
+                <a:ea typeface="宋体" panose="02010600030101010101" pitchFamily="2" charset="-122"/>
+              </a:rPr>
+              <a:t>新包版本</a:t>
+            </a:r>
+          </a:p>
+        </p:txBody>
+      </p:sp>
+      <p:sp>
+        <p:nvSpPr>
+          <p:cNvPr id="9" name="矩形: 圆角 8">
+            <a:extLst>
+              <a:ext uri="{FF2B5EF4-FFF2-40B4-BE49-F238E27FC236}">
+                <a16:creationId xmlns:a16="http://schemas.microsoft.com/office/drawing/2014/main" id="{83674D9F-BD36-7C62-51E2-0E3AA976B711}"/>
+              </a:ext>
+            </a:extLst>
+          </p:cNvPr>
+          <p:cNvSpPr/>
+          <p:nvPr/>
+        </p:nvSpPr>
+        <p:spPr>
+          <a:xfrm>
+            <a:off x="5608274" y="2551105"/>
+            <a:ext cx="1258105" cy="527539"/>
+          </a:xfrm>
+          <a:prstGeom prst="roundRect">
+            <a:avLst/>
+          </a:prstGeom>
+          <a:solidFill>
+            <a:schemeClr val="bg1"/>
+          </a:solidFill>
+          <a:ln>
+            <a:solidFill>
+              <a:schemeClr val="tx1"/>
+            </a:solidFill>
+          </a:ln>
+        </p:spPr>
+        <p:style>
+          <a:lnRef idx="2">
+            <a:schemeClr val="accent1">
+              <a:shade val="15000"/>
+            </a:schemeClr>
+          </a:lnRef>
+          <a:fillRef idx="1">
+            <a:schemeClr val="accent1"/>
+          </a:fillRef>
+          <a:effectRef idx="0">
+            <a:schemeClr val="accent1"/>
+          </a:effectRef>
+          <a:fontRef idx="minor">
+            <a:schemeClr val="lt1"/>
+          </a:fontRef>
+        </p:style>
+        <p:txBody>
+          <a:bodyPr rtlCol="0" anchor="ctr"/>
+          <a:lstStyle/>
+          <a:p>
+            <a:pPr algn="ctr"/>
+            <a:r>
+              <a:rPr lang="zh-CN" altLang="en-US" sz="1600">
+                <a:solidFill>
+                  <a:schemeClr val="tx1"/>
+                </a:solidFill>
+                <a:latin typeface="宋体" panose="02010600030101010101" pitchFamily="2" charset="-122"/>
+                <a:ea typeface="宋体" panose="02010600030101010101" pitchFamily="2" charset="-122"/>
+              </a:rPr>
+              <a:t>软件代码</a:t>
+            </a:r>
+          </a:p>
+        </p:txBody>
+      </p:sp>
+      <p:sp>
+        <p:nvSpPr>
+          <p:cNvPr id="10" name="矩形: 圆角 9">
+            <a:extLst>
+              <a:ext uri="{FF2B5EF4-FFF2-40B4-BE49-F238E27FC236}">
+                <a16:creationId xmlns:a16="http://schemas.microsoft.com/office/drawing/2014/main" id="{8A15A04F-8309-8025-3F2E-263BD6D60214}"/>
+              </a:ext>
+            </a:extLst>
+          </p:cNvPr>
+          <p:cNvSpPr/>
+          <p:nvPr/>
+        </p:nvSpPr>
+        <p:spPr>
+          <a:xfrm>
+            <a:off x="5604949" y="3956332"/>
+            <a:ext cx="1258105" cy="527539"/>
+          </a:xfrm>
+          <a:prstGeom prst="roundRect">
+            <a:avLst/>
+          </a:prstGeom>
+          <a:solidFill>
+            <a:schemeClr val="bg1"/>
+          </a:solidFill>
+          <a:ln>
+            <a:solidFill>
+              <a:schemeClr val="tx1"/>
+            </a:solidFill>
+          </a:ln>
+        </p:spPr>
+        <p:style>
+          <a:lnRef idx="2">
+            <a:schemeClr val="accent1">
+              <a:shade val="15000"/>
+            </a:schemeClr>
+          </a:lnRef>
+          <a:fillRef idx="1">
+            <a:schemeClr val="accent1"/>
+          </a:fillRef>
+          <a:effectRef idx="0">
+            <a:schemeClr val="accent1"/>
+          </a:effectRef>
+          <a:fontRef idx="minor">
+            <a:schemeClr val="lt1"/>
+          </a:fontRef>
+        </p:style>
+        <p:txBody>
+          <a:bodyPr rtlCol="0" anchor="ctr"/>
+          <a:lstStyle/>
+          <a:p>
+            <a:pPr algn="ctr"/>
+            <a:r>
+              <a:rPr lang="zh-CN" altLang="en-US" sz="1600">
+                <a:solidFill>
+                  <a:schemeClr val="tx1"/>
+                </a:solidFill>
+                <a:latin typeface="宋体" panose="02010600030101010101" pitchFamily="2" charset="-122"/>
+                <a:ea typeface="宋体" panose="02010600030101010101" pitchFamily="2" charset="-122"/>
+              </a:rPr>
+              <a:t>软件包</a:t>
+            </a:r>
+          </a:p>
+        </p:txBody>
+      </p:sp>
+      <p:sp>
+        <p:nvSpPr>
+          <p:cNvPr id="11" name="矩形: 圆角 10">
+            <a:extLst>
+              <a:ext uri="{FF2B5EF4-FFF2-40B4-BE49-F238E27FC236}">
+                <a16:creationId xmlns:a16="http://schemas.microsoft.com/office/drawing/2014/main" id="{6DA21B2B-7946-4DB8-2CC0-75EC0E705B51}"/>
+              </a:ext>
+            </a:extLst>
+          </p:cNvPr>
+          <p:cNvSpPr/>
+          <p:nvPr/>
+        </p:nvSpPr>
+        <p:spPr>
+          <a:xfrm>
+            <a:off x="2938059" y="2554697"/>
+            <a:ext cx="1258105" cy="527539"/>
+          </a:xfrm>
+          <a:prstGeom prst="roundRect">
+            <a:avLst/>
+          </a:prstGeom>
+          <a:solidFill>
+            <a:schemeClr val="bg1"/>
+          </a:solidFill>
+          <a:ln>
+            <a:solidFill>
+              <a:schemeClr val="tx1"/>
+            </a:solidFill>
+          </a:ln>
+        </p:spPr>
+        <p:style>
+          <a:lnRef idx="2">
+            <a:schemeClr val="accent1">
+              <a:shade val="15000"/>
+            </a:schemeClr>
+          </a:lnRef>
+          <a:fillRef idx="1">
+            <a:schemeClr val="accent1"/>
+          </a:fillRef>
+          <a:effectRef idx="0">
+            <a:schemeClr val="accent1"/>
+          </a:effectRef>
+          <a:fontRef idx="minor">
+            <a:schemeClr val="lt1"/>
+          </a:fontRef>
+        </p:style>
+        <p:txBody>
+          <a:bodyPr rtlCol="0" anchor="ctr"/>
+          <a:lstStyle/>
+          <a:p>
+            <a:pPr algn="ctr"/>
+            <a:r>
+              <a:rPr lang="zh-CN" altLang="en-US" sz="1600">
+                <a:solidFill>
+                  <a:schemeClr val="tx1"/>
+                </a:solidFill>
+                <a:latin typeface="宋体" panose="02010600030101010101" pitchFamily="2" charset="-122"/>
+                <a:ea typeface="宋体" panose="02010600030101010101" pitchFamily="2" charset="-122"/>
+              </a:rPr>
+              <a:t>旧包版本</a:t>
+            </a:r>
+          </a:p>
+        </p:txBody>
+      </p:sp>
+      <p:cxnSp>
+        <p:nvCxnSpPr>
+          <p:cNvPr id="13" name="直接箭头连接符 12">
+            <a:extLst>
+              <a:ext uri="{FF2B5EF4-FFF2-40B4-BE49-F238E27FC236}">
+                <a16:creationId xmlns:a16="http://schemas.microsoft.com/office/drawing/2014/main" id="{3F28ACA8-FCC5-8692-438E-BF12EEA3E508}"/>
+              </a:ext>
+            </a:extLst>
+          </p:cNvPr>
+          <p:cNvCxnSpPr>
+            <a:cxnSpLocks/>
+            <a:stCxn id="8" idx="3"/>
+            <a:endCxn id="10" idx="1"/>
+          </p:cNvCxnSpPr>
+          <p:nvPr/>
+        </p:nvCxnSpPr>
+        <p:spPr>
+          <a:xfrm flipV="1">
+            <a:off x="4196165" y="4220102"/>
+            <a:ext cx="1408784" cy="964"/>
+          </a:xfrm>
+          <a:prstGeom prst="straightConnector1">
+            <a:avLst/>
+          </a:prstGeom>
+          <a:ln w="12700">
+            <a:solidFill>
+              <a:schemeClr val="tx1"/>
+            </a:solidFill>
+            <a:tailEnd type="triangle"/>
+          </a:ln>
+        </p:spPr>
+        <p:style>
+          <a:lnRef idx="1">
+            <a:schemeClr val="accent1"/>
+          </a:lnRef>
+          <a:fillRef idx="0">
+            <a:schemeClr val="accent1"/>
+          </a:fillRef>
+          <a:effectRef idx="0">
+            <a:schemeClr val="accent1"/>
+          </a:effectRef>
+          <a:fontRef idx="minor">
+            <a:schemeClr val="tx1"/>
+          </a:fontRef>
+        </p:style>
+      </p:cxnSp>
+      <p:cxnSp>
+        <p:nvCxnSpPr>
+          <p:cNvPr id="15" name="直接箭头连接符 14">
+            <a:extLst>
+              <a:ext uri="{FF2B5EF4-FFF2-40B4-BE49-F238E27FC236}">
+                <a16:creationId xmlns:a16="http://schemas.microsoft.com/office/drawing/2014/main" id="{D9E1A910-B50A-3AD3-BB4D-B9151A2F65FC}"/>
+              </a:ext>
+            </a:extLst>
+          </p:cNvPr>
+          <p:cNvCxnSpPr>
+            <a:cxnSpLocks/>
+            <a:stCxn id="11" idx="3"/>
+            <a:endCxn id="9" idx="1"/>
+          </p:cNvCxnSpPr>
+          <p:nvPr/>
+        </p:nvCxnSpPr>
+        <p:spPr>
+          <a:xfrm flipV="1">
+            <a:off x="4196164" y="2814875"/>
+            <a:ext cx="1412110" cy="3592"/>
+          </a:xfrm>
+          <a:prstGeom prst="straightConnector1">
+            <a:avLst/>
+          </a:prstGeom>
+          <a:ln w="12700">
+            <a:solidFill>
+              <a:schemeClr val="tx1"/>
+            </a:solidFill>
+            <a:tailEnd type="triangle"/>
+          </a:ln>
+        </p:spPr>
+        <p:style>
+          <a:lnRef idx="1">
+            <a:schemeClr val="accent1"/>
+          </a:lnRef>
+          <a:fillRef idx="0">
+            <a:schemeClr val="accent1"/>
+          </a:fillRef>
+          <a:effectRef idx="0">
+            <a:schemeClr val="accent1"/>
+          </a:effectRef>
+          <a:fontRef idx="minor">
+            <a:schemeClr val="tx1"/>
+          </a:fontRef>
+        </p:style>
+      </p:cxnSp>
+      <p:cxnSp>
+        <p:nvCxnSpPr>
+          <p:cNvPr id="17" name="直接箭头连接符 16">
+            <a:extLst>
+              <a:ext uri="{FF2B5EF4-FFF2-40B4-BE49-F238E27FC236}">
+                <a16:creationId xmlns:a16="http://schemas.microsoft.com/office/drawing/2014/main" id="{9A5F9F82-DC26-9D66-748F-25D553609BC6}"/>
+              </a:ext>
+            </a:extLst>
+          </p:cNvPr>
+          <p:cNvCxnSpPr>
+            <a:cxnSpLocks/>
+            <a:stCxn id="7" idx="1"/>
+            <a:endCxn id="10" idx="3"/>
+          </p:cNvCxnSpPr>
+          <p:nvPr/>
+        </p:nvCxnSpPr>
+        <p:spPr>
+          <a:xfrm flipH="1">
+            <a:off x="6863054" y="4210110"/>
+            <a:ext cx="1062075" cy="9992"/>
+          </a:xfrm>
+          <a:prstGeom prst="straightConnector1">
+            <a:avLst/>
+          </a:prstGeom>
+          <a:ln w="12700">
+            <a:solidFill>
+              <a:schemeClr val="tx1"/>
+            </a:solidFill>
+            <a:prstDash val="dash"/>
+            <a:tailEnd type="triangle"/>
+          </a:ln>
+        </p:spPr>
+        <p:style>
+          <a:lnRef idx="1">
+            <a:schemeClr val="accent1"/>
+          </a:lnRef>
+          <a:fillRef idx="0">
+            <a:schemeClr val="accent1"/>
+          </a:fillRef>
+          <a:effectRef idx="0">
+            <a:schemeClr val="accent1"/>
+          </a:effectRef>
+          <a:fontRef idx="minor">
+            <a:schemeClr val="tx1"/>
+          </a:fontRef>
+        </p:style>
+      </p:cxnSp>
+      <p:cxnSp>
+        <p:nvCxnSpPr>
+          <p:cNvPr id="19" name="直接箭头连接符 18">
+            <a:extLst>
+              <a:ext uri="{FF2B5EF4-FFF2-40B4-BE49-F238E27FC236}">
+                <a16:creationId xmlns:a16="http://schemas.microsoft.com/office/drawing/2014/main" id="{E2329C82-DFFF-F3F0-22B1-D2A49F1B2709}"/>
+              </a:ext>
+            </a:extLst>
+          </p:cNvPr>
+          <p:cNvCxnSpPr>
+            <a:cxnSpLocks/>
+            <a:stCxn id="8" idx="3"/>
+            <a:endCxn id="9" idx="2"/>
+          </p:cNvCxnSpPr>
+          <p:nvPr/>
+        </p:nvCxnSpPr>
+        <p:spPr>
+          <a:xfrm flipV="1">
+            <a:off x="4196165" y="3078644"/>
+            <a:ext cx="2041162" cy="1142422"/>
+          </a:xfrm>
+          <a:prstGeom prst="straightConnector1">
+            <a:avLst/>
+          </a:prstGeom>
+          <a:ln w="12700">
+            <a:solidFill>
+              <a:schemeClr val="tx1"/>
+            </a:solidFill>
+            <a:prstDash val="dash"/>
+            <a:tailEnd type="triangle"/>
+          </a:ln>
+        </p:spPr>
+        <p:style>
+          <a:lnRef idx="1">
+            <a:schemeClr val="accent1"/>
+          </a:lnRef>
+          <a:fillRef idx="0">
+            <a:schemeClr val="accent1"/>
+          </a:fillRef>
+          <a:effectRef idx="0">
+            <a:schemeClr val="accent1"/>
+          </a:effectRef>
+          <a:fontRef idx="minor">
+            <a:schemeClr val="tx1"/>
+          </a:fontRef>
+        </p:style>
+      </p:cxnSp>
+      <p:cxnSp>
+        <p:nvCxnSpPr>
+          <p:cNvPr id="23" name="直接箭头连接符 22">
+            <a:extLst>
+              <a:ext uri="{FF2B5EF4-FFF2-40B4-BE49-F238E27FC236}">
+                <a16:creationId xmlns:a16="http://schemas.microsoft.com/office/drawing/2014/main" id="{5FB58F05-2DE2-FEA0-A09B-616F02DC3098}"/>
+              </a:ext>
+            </a:extLst>
+          </p:cNvPr>
+          <p:cNvCxnSpPr>
+            <a:cxnSpLocks/>
+          </p:cNvCxnSpPr>
+          <p:nvPr/>
+        </p:nvCxnSpPr>
+        <p:spPr>
+          <a:xfrm>
+            <a:off x="3432517" y="3082236"/>
+            <a:ext cx="0" cy="875060"/>
+          </a:xfrm>
+          <a:prstGeom prst="straightConnector1">
+            <a:avLst/>
+          </a:prstGeom>
+          <a:ln w="12700">
+            <a:solidFill>
+              <a:schemeClr val="tx1"/>
+            </a:solidFill>
+            <a:tailEnd type="triangle"/>
+          </a:ln>
+        </p:spPr>
+        <p:style>
+          <a:lnRef idx="1">
+            <a:schemeClr val="accent1"/>
+          </a:lnRef>
+          <a:fillRef idx="0">
+            <a:schemeClr val="accent1"/>
+          </a:fillRef>
+          <a:effectRef idx="0">
+            <a:schemeClr val="accent1"/>
+          </a:effectRef>
+          <a:fontRef idx="minor">
+            <a:schemeClr val="tx1"/>
+          </a:fontRef>
+        </p:style>
+      </p:cxnSp>
+      <p:cxnSp>
+        <p:nvCxnSpPr>
+          <p:cNvPr id="25" name="直接箭头连接符 24">
+            <a:extLst>
+              <a:ext uri="{FF2B5EF4-FFF2-40B4-BE49-F238E27FC236}">
+                <a16:creationId xmlns:a16="http://schemas.microsoft.com/office/drawing/2014/main" id="{B3A3D660-CBBB-7E06-0C3C-94CDBD4BE616}"/>
+              </a:ext>
+            </a:extLst>
+          </p:cNvPr>
+          <p:cNvCxnSpPr>
+            <a:cxnSpLocks/>
+          </p:cNvCxnSpPr>
+          <p:nvPr/>
+        </p:nvCxnSpPr>
+        <p:spPr>
+          <a:xfrm flipH="1">
+            <a:off x="3685650" y="3104644"/>
+            <a:ext cx="6861" cy="865309"/>
+          </a:xfrm>
+          <a:prstGeom prst="straightConnector1">
+            <a:avLst/>
+          </a:prstGeom>
+          <a:ln w="12700">
+            <a:solidFill>
+              <a:schemeClr val="tx1"/>
+            </a:solidFill>
+            <a:prstDash val="dash"/>
+            <a:tailEnd type="triangle"/>
+          </a:ln>
+        </p:spPr>
+        <p:style>
+          <a:lnRef idx="1">
+            <a:schemeClr val="accent1"/>
+          </a:lnRef>
+          <a:fillRef idx="0">
+            <a:schemeClr val="accent1"/>
+          </a:fillRef>
+          <a:effectRef idx="0">
+            <a:schemeClr val="accent1"/>
+          </a:effectRef>
+          <a:fontRef idx="minor">
+            <a:schemeClr val="tx1"/>
+          </a:fontRef>
+        </p:style>
+      </p:cxnSp>
+      <p:cxnSp>
+        <p:nvCxnSpPr>
+          <p:cNvPr id="27" name="直接箭头连接符 26">
+            <a:extLst>
+              <a:ext uri="{FF2B5EF4-FFF2-40B4-BE49-F238E27FC236}">
+                <a16:creationId xmlns:a16="http://schemas.microsoft.com/office/drawing/2014/main" id="{5F89FAB5-E302-F26B-E95B-7D80BABB5E16}"/>
+              </a:ext>
+            </a:extLst>
+          </p:cNvPr>
+          <p:cNvCxnSpPr>
+            <a:cxnSpLocks/>
+            <a:stCxn id="6" idx="3"/>
+            <a:endCxn id="8" idx="1"/>
+          </p:cNvCxnSpPr>
+          <p:nvPr/>
+        </p:nvCxnSpPr>
+        <p:spPr>
+          <a:xfrm>
+            <a:off x="2275449" y="3501494"/>
+            <a:ext cx="662611" cy="719572"/>
+          </a:xfrm>
+          <a:prstGeom prst="straightConnector1">
+            <a:avLst/>
+          </a:prstGeom>
+          <a:ln w="12700">
+            <a:solidFill>
+              <a:schemeClr val="tx1"/>
+            </a:solidFill>
+            <a:prstDash val="dash"/>
+            <a:tailEnd type="triangle"/>
+          </a:ln>
+        </p:spPr>
+        <p:style>
+          <a:lnRef idx="1">
+            <a:schemeClr val="accent1"/>
+          </a:lnRef>
+          <a:fillRef idx="0">
+            <a:schemeClr val="accent1"/>
+          </a:fillRef>
+          <a:effectRef idx="0">
+            <a:schemeClr val="accent1"/>
+          </a:effectRef>
+          <a:fontRef idx="minor">
+            <a:schemeClr val="tx1"/>
+          </a:fontRef>
+        </p:style>
+      </p:cxnSp>
+      <p:cxnSp>
+        <p:nvCxnSpPr>
+          <p:cNvPr id="29" name="直接箭头连接符 28">
+            <a:extLst>
+              <a:ext uri="{FF2B5EF4-FFF2-40B4-BE49-F238E27FC236}">
+                <a16:creationId xmlns:a16="http://schemas.microsoft.com/office/drawing/2014/main" id="{C8F3D633-ED67-BE75-41F5-621C0DFCF6E6}"/>
+              </a:ext>
+            </a:extLst>
+          </p:cNvPr>
+          <p:cNvCxnSpPr>
+            <a:cxnSpLocks/>
+            <a:stCxn id="6" idx="3"/>
+            <a:endCxn id="11" idx="1"/>
+          </p:cNvCxnSpPr>
+          <p:nvPr/>
+        </p:nvCxnSpPr>
+        <p:spPr>
+          <a:xfrm flipV="1">
+            <a:off x="2275449" y="2818467"/>
+            <a:ext cx="662610" cy="683027"/>
+          </a:xfrm>
+          <a:prstGeom prst="straightConnector1">
+            <a:avLst/>
+          </a:prstGeom>
+          <a:ln w="12700">
+            <a:solidFill>
+              <a:schemeClr val="tx1"/>
+            </a:solidFill>
+            <a:prstDash val="dash"/>
+            <a:tailEnd type="triangle"/>
+          </a:ln>
+        </p:spPr>
+        <p:style>
+          <a:lnRef idx="1">
+            <a:schemeClr val="accent1"/>
+          </a:lnRef>
+          <a:fillRef idx="0">
+            <a:schemeClr val="accent1"/>
+          </a:fillRef>
+          <a:effectRef idx="0">
+            <a:schemeClr val="accent1"/>
+          </a:effectRef>
+          <a:fontRef idx="minor">
+            <a:schemeClr val="tx1"/>
+          </a:fontRef>
+        </p:style>
+      </p:cxnSp>
+      <p:cxnSp>
+        <p:nvCxnSpPr>
+          <p:cNvPr id="34" name="直接箭头连接符 33">
+            <a:extLst>
+              <a:ext uri="{FF2B5EF4-FFF2-40B4-BE49-F238E27FC236}">
+                <a16:creationId xmlns:a16="http://schemas.microsoft.com/office/drawing/2014/main" id="{01307271-BE6A-3EDB-A3D2-7A2C69C8278D}"/>
+              </a:ext>
+            </a:extLst>
+          </p:cNvPr>
+          <p:cNvCxnSpPr>
+            <a:cxnSpLocks/>
+            <a:stCxn id="11" idx="3"/>
+            <a:endCxn id="10" idx="0"/>
+          </p:cNvCxnSpPr>
+          <p:nvPr/>
+        </p:nvCxnSpPr>
+        <p:spPr>
+          <a:xfrm>
+            <a:off x="4196164" y="2818467"/>
+            <a:ext cx="2037838" cy="1137865"/>
+          </a:xfrm>
+          <a:prstGeom prst="straightConnector1">
+            <a:avLst/>
+          </a:prstGeom>
+          <a:ln w="12700">
+            <a:solidFill>
+              <a:schemeClr val="tx1"/>
+            </a:solidFill>
+            <a:prstDash val="dash"/>
+            <a:tailEnd type="triangle"/>
+          </a:ln>
+        </p:spPr>
+        <p:style>
+          <a:lnRef idx="1">
+            <a:schemeClr val="accent1"/>
+          </a:lnRef>
+          <a:fillRef idx="0">
+            <a:schemeClr val="accent1"/>
+          </a:fillRef>
+          <a:effectRef idx="0">
+            <a:schemeClr val="accent1"/>
+          </a:effectRef>
+          <a:fontRef idx="minor">
+            <a:schemeClr val="tx1"/>
+          </a:fontRef>
+        </p:style>
+      </p:cxnSp>
+      <p:cxnSp>
+        <p:nvCxnSpPr>
+          <p:cNvPr id="37" name="直接箭头连接符 36">
+            <a:extLst>
+              <a:ext uri="{FF2B5EF4-FFF2-40B4-BE49-F238E27FC236}">
+                <a16:creationId xmlns:a16="http://schemas.microsoft.com/office/drawing/2014/main" id="{57BADA0B-28D1-E83C-989D-D92237D2E6F2}"/>
+              </a:ext>
+            </a:extLst>
+          </p:cNvPr>
+          <p:cNvCxnSpPr>
+            <a:cxnSpLocks/>
+            <a:stCxn id="5" idx="1"/>
+            <a:endCxn id="9" idx="3"/>
+          </p:cNvCxnSpPr>
+          <p:nvPr/>
+        </p:nvCxnSpPr>
+        <p:spPr>
+          <a:xfrm flipH="1">
+            <a:off x="6866379" y="2814874"/>
+            <a:ext cx="1035253" cy="1"/>
+          </a:xfrm>
+          <a:prstGeom prst="straightConnector1">
+            <a:avLst/>
+          </a:prstGeom>
+          <a:ln w="12700">
+            <a:solidFill>
+              <a:schemeClr val="tx1"/>
+            </a:solidFill>
+            <a:prstDash val="dash"/>
+            <a:tailEnd type="triangle"/>
+          </a:ln>
+        </p:spPr>
+        <p:style>
+          <a:lnRef idx="1">
+            <a:schemeClr val="accent1"/>
+          </a:lnRef>
+          <a:fillRef idx="0">
+            <a:schemeClr val="accent1"/>
+          </a:fillRef>
+          <a:effectRef idx="0">
+            <a:schemeClr val="accent1"/>
+          </a:effectRef>
+          <a:fontRef idx="minor">
+            <a:schemeClr val="tx1"/>
+          </a:fontRef>
+        </p:style>
+      </p:cxnSp>
+      <p:sp>
+        <p:nvSpPr>
+          <p:cNvPr id="40" name="文本框 39">
+            <a:extLst>
+              <a:ext uri="{FF2B5EF4-FFF2-40B4-BE49-F238E27FC236}">
+                <a16:creationId xmlns:a16="http://schemas.microsoft.com/office/drawing/2014/main" id="{4FE205ED-787B-7423-308B-50F4C4C1780F}"/>
+              </a:ext>
+            </a:extLst>
+          </p:cNvPr>
+          <p:cNvSpPr txBox="1"/>
+          <p:nvPr/>
+        </p:nvSpPr>
+        <p:spPr>
+          <a:xfrm>
+            <a:off x="1228101" y="3915990"/>
+            <a:ext cx="1093545" cy="584775"/>
+          </a:xfrm>
+          <a:prstGeom prst="rect">
+            <a:avLst/>
+          </a:prstGeom>
+          <a:noFill/>
+        </p:spPr>
+        <p:txBody>
+          <a:bodyPr wrap="square" rtlCol="0">
+            <a:spAutoFit/>
+          </a:bodyPr>
+          <a:lstStyle/>
+          <a:p>
+            <a:pPr algn="ctr"/>
+            <a:r>
+              <a:rPr lang="zh-CN" altLang="en-US" sz="1600">
+                <a:latin typeface="宋体" panose="02010600030101010101" pitchFamily="2" charset="-122"/>
+                <a:ea typeface="宋体" panose="02010600030101010101" pitchFamily="2" charset="-122"/>
+              </a:rPr>
+              <a:t>第三方包开发者</a:t>
+            </a:r>
+          </a:p>
+        </p:txBody>
+      </p:sp>
+      <p:sp>
+        <p:nvSpPr>
+          <p:cNvPr id="41" name="文本框 40">
+            <a:extLst>
+              <a:ext uri="{FF2B5EF4-FFF2-40B4-BE49-F238E27FC236}">
+                <a16:creationId xmlns:a16="http://schemas.microsoft.com/office/drawing/2014/main" id="{48214988-0727-9B68-504C-38CE63780470}"/>
+              </a:ext>
+            </a:extLst>
+          </p:cNvPr>
+          <p:cNvSpPr txBox="1"/>
+          <p:nvPr/>
+        </p:nvSpPr>
+        <p:spPr>
+          <a:xfrm>
+            <a:off x="7708958" y="4640192"/>
+            <a:ext cx="1386621" cy="338554"/>
+          </a:xfrm>
+          <a:prstGeom prst="rect">
+            <a:avLst/>
+          </a:prstGeom>
+          <a:noFill/>
+        </p:spPr>
+        <p:txBody>
+          <a:bodyPr wrap="square" rtlCol="0">
+            <a:spAutoFit/>
+          </a:bodyPr>
+          <a:lstStyle/>
+          <a:p>
+            <a:pPr algn="ctr"/>
+            <a:r>
+              <a:rPr lang="zh-CN" altLang="en-US" sz="1600">
+                <a:latin typeface="宋体" panose="02010600030101010101" pitchFamily="2" charset="-122"/>
+                <a:ea typeface="宋体" panose="02010600030101010101" pitchFamily="2" charset="-122"/>
+              </a:rPr>
+              <a:t>终端用户</a:t>
+            </a:r>
+          </a:p>
+        </p:txBody>
+      </p:sp>
+      <p:sp>
+        <p:nvSpPr>
+          <p:cNvPr id="42" name="文本框 41">
+            <a:extLst>
+              <a:ext uri="{FF2B5EF4-FFF2-40B4-BE49-F238E27FC236}">
+                <a16:creationId xmlns:a16="http://schemas.microsoft.com/office/drawing/2014/main" id="{EEE96C3A-0BCA-F137-CB2F-370F7A0C2BD0}"/>
+              </a:ext>
+            </a:extLst>
+          </p:cNvPr>
+          <p:cNvSpPr txBox="1"/>
+          <p:nvPr/>
+        </p:nvSpPr>
+        <p:spPr>
+          <a:xfrm>
+            <a:off x="7672078" y="3188116"/>
+            <a:ext cx="1386621" cy="338554"/>
+          </a:xfrm>
+          <a:prstGeom prst="rect">
+            <a:avLst/>
+          </a:prstGeom>
+          <a:noFill/>
+        </p:spPr>
+        <p:txBody>
+          <a:bodyPr wrap="square" rtlCol="0">
+            <a:spAutoFit/>
+          </a:bodyPr>
+          <a:lstStyle/>
+          <a:p>
+            <a:pPr algn="ctr"/>
+            <a:r>
+              <a:rPr lang="zh-CN" altLang="en-US" sz="1600">
+                <a:latin typeface="宋体" panose="02010600030101010101" pitchFamily="2" charset="-122"/>
+                <a:ea typeface="宋体" panose="02010600030101010101" pitchFamily="2" charset="-122"/>
+              </a:rPr>
+              <a:t>软件开发者</a:t>
+            </a:r>
+          </a:p>
+        </p:txBody>
+      </p:sp>
+      <p:sp>
+        <p:nvSpPr>
+          <p:cNvPr id="43" name="文本框 42">
+            <a:extLst>
+              <a:ext uri="{FF2B5EF4-FFF2-40B4-BE49-F238E27FC236}">
+                <a16:creationId xmlns:a16="http://schemas.microsoft.com/office/drawing/2014/main" id="{0F111AF9-D231-C5F2-8ECE-93DEFED29590}"/>
+              </a:ext>
+            </a:extLst>
+          </p:cNvPr>
+          <p:cNvSpPr txBox="1"/>
+          <p:nvPr/>
+        </p:nvSpPr>
+        <p:spPr>
+          <a:xfrm>
+            <a:off x="3776122" y="3227378"/>
+            <a:ext cx="1251246" cy="584775"/>
+          </a:xfrm>
+          <a:prstGeom prst="rect">
+            <a:avLst/>
+          </a:prstGeom>
+          <a:noFill/>
+        </p:spPr>
+        <p:txBody>
+          <a:bodyPr wrap="square" rtlCol="0">
+            <a:spAutoFit/>
+          </a:bodyPr>
+          <a:lstStyle/>
+          <a:p>
+            <a:pPr algn="ctr"/>
+            <a:r>
+              <a:rPr lang="zh-CN" altLang="en-US" sz="1600">
+                <a:latin typeface="宋体" panose="02010600030101010101" pitchFamily="2" charset="-122"/>
+                <a:ea typeface="宋体" panose="02010600030101010101" pitchFamily="2" charset="-122"/>
+              </a:rPr>
+              <a:t>后向（前向）不兼容更改</a:t>
+            </a:r>
+          </a:p>
+        </p:txBody>
+      </p:sp>
+      <p:sp>
+        <p:nvSpPr>
+          <p:cNvPr id="45" name="文本框 44">
+            <a:extLst>
+              <a:ext uri="{FF2B5EF4-FFF2-40B4-BE49-F238E27FC236}">
+                <a16:creationId xmlns:a16="http://schemas.microsoft.com/office/drawing/2014/main" id="{08C942F3-31C3-8176-192D-4830D5D2BB54}"/>
+              </a:ext>
+            </a:extLst>
+          </p:cNvPr>
+          <p:cNvSpPr txBox="1"/>
+          <p:nvPr/>
+        </p:nvSpPr>
+        <p:spPr>
+          <a:xfrm>
+            <a:off x="2122481" y="3100055"/>
+            <a:ext cx="1386621" cy="338554"/>
+          </a:xfrm>
+          <a:prstGeom prst="rect">
+            <a:avLst/>
+          </a:prstGeom>
+          <a:noFill/>
+        </p:spPr>
+        <p:txBody>
+          <a:bodyPr wrap="square" rtlCol="0">
+            <a:spAutoFit/>
+          </a:bodyPr>
+          <a:lstStyle/>
+          <a:p>
+            <a:pPr algn="ctr"/>
+            <a:r>
+              <a:rPr lang="zh-CN" altLang="en-US" sz="1600">
+                <a:latin typeface="宋体" panose="02010600030101010101" pitchFamily="2" charset="-122"/>
+                <a:ea typeface="宋体" panose="02010600030101010101" pitchFamily="2" charset="-122"/>
+              </a:rPr>
+              <a:t>发布</a:t>
+            </a:r>
+          </a:p>
+        </p:txBody>
+      </p:sp>
+      <p:sp>
+        <p:nvSpPr>
+          <p:cNvPr id="46" name="文本框 45">
+            <a:extLst>
+              <a:ext uri="{FF2B5EF4-FFF2-40B4-BE49-F238E27FC236}">
+                <a16:creationId xmlns:a16="http://schemas.microsoft.com/office/drawing/2014/main" id="{50DBE784-B169-276A-C6ED-3A836FF7FDA0}"/>
+              </a:ext>
+            </a:extLst>
+          </p:cNvPr>
+          <p:cNvSpPr txBox="1"/>
+          <p:nvPr/>
+        </p:nvSpPr>
+        <p:spPr>
+          <a:xfrm>
+            <a:off x="2121618" y="3536665"/>
+            <a:ext cx="1386621" cy="338554"/>
+          </a:xfrm>
+          <a:prstGeom prst="rect">
+            <a:avLst/>
+          </a:prstGeom>
+          <a:noFill/>
+        </p:spPr>
+        <p:txBody>
+          <a:bodyPr wrap="square" rtlCol="0">
+            <a:spAutoFit/>
+          </a:bodyPr>
+          <a:lstStyle/>
+          <a:p>
+            <a:pPr algn="ctr"/>
+            <a:r>
+              <a:rPr lang="zh-CN" altLang="en-US" sz="1600">
+                <a:latin typeface="宋体" panose="02010600030101010101" pitchFamily="2" charset="-122"/>
+                <a:ea typeface="宋体" panose="02010600030101010101" pitchFamily="2" charset="-122"/>
+              </a:rPr>
+              <a:t>发布</a:t>
+            </a:r>
+          </a:p>
+        </p:txBody>
+      </p:sp>
+      <p:sp>
+        <p:nvSpPr>
+          <p:cNvPr id="47" name="文本框 46">
+            <a:extLst>
+              <a:ext uri="{FF2B5EF4-FFF2-40B4-BE49-F238E27FC236}">
+                <a16:creationId xmlns:a16="http://schemas.microsoft.com/office/drawing/2014/main" id="{1B7587EA-0DC4-A193-FCCA-1DD8C16EA2AB}"/>
+              </a:ext>
+            </a:extLst>
+          </p:cNvPr>
+          <p:cNvSpPr txBox="1"/>
+          <p:nvPr/>
+        </p:nvSpPr>
+        <p:spPr>
+          <a:xfrm>
+            <a:off x="6690222" y="2493665"/>
+            <a:ext cx="1386621" cy="338554"/>
+          </a:xfrm>
+          <a:prstGeom prst="rect">
+            <a:avLst/>
+          </a:prstGeom>
+          <a:noFill/>
+        </p:spPr>
+        <p:txBody>
+          <a:bodyPr wrap="square" rtlCol="0">
+            <a:spAutoFit/>
+          </a:bodyPr>
+          <a:lstStyle/>
+          <a:p>
+            <a:pPr algn="ctr"/>
+            <a:r>
+              <a:rPr lang="zh-CN" altLang="en-US" sz="1600">
+                <a:latin typeface="宋体" panose="02010600030101010101" pitchFamily="2" charset="-122"/>
+                <a:ea typeface="宋体" panose="02010600030101010101" pitchFamily="2" charset="-122"/>
+              </a:rPr>
+              <a:t>开发</a:t>
+            </a:r>
+          </a:p>
+        </p:txBody>
+      </p:sp>
+      <p:sp>
+        <p:nvSpPr>
+          <p:cNvPr id="48" name="文本框 47">
+            <a:extLst>
+              <a:ext uri="{FF2B5EF4-FFF2-40B4-BE49-F238E27FC236}">
+                <a16:creationId xmlns:a16="http://schemas.microsoft.com/office/drawing/2014/main" id="{D9EA86CE-98A7-FC98-D08B-AEE014998AC0}"/>
+              </a:ext>
+            </a:extLst>
+          </p:cNvPr>
+          <p:cNvSpPr txBox="1"/>
+          <p:nvPr/>
+        </p:nvSpPr>
+        <p:spPr>
+          <a:xfrm>
+            <a:off x="6690223" y="3887854"/>
+            <a:ext cx="1386621" cy="338554"/>
+          </a:xfrm>
+          <a:prstGeom prst="rect">
+            <a:avLst/>
+          </a:prstGeom>
+          <a:noFill/>
+        </p:spPr>
+        <p:txBody>
+          <a:bodyPr wrap="square" rtlCol="0">
+            <a:spAutoFit/>
+          </a:bodyPr>
+          <a:lstStyle/>
+          <a:p>
+            <a:pPr algn="ctr"/>
+            <a:r>
+              <a:rPr lang="zh-CN" altLang="en-US" sz="1600">
+                <a:latin typeface="宋体" panose="02010600030101010101" pitchFamily="2" charset="-122"/>
+                <a:ea typeface="宋体" panose="02010600030101010101" pitchFamily="2" charset="-122"/>
+              </a:rPr>
+              <a:t>安装</a:t>
+            </a:r>
+          </a:p>
+        </p:txBody>
+      </p:sp>
+    </p:spTree>
+    <p:extLst>
+      <p:ext uri="{BB962C8B-B14F-4D97-AF65-F5344CB8AC3E}">
+        <p14:creationId xmlns:p14="http://schemas.microsoft.com/office/powerpoint/2010/main" val="1652752743"/>
+      </p:ext>
+    </p:extLst>
+  </p:cSld>
+  <p:clrMapOvr>
+    <a:masterClrMapping/>
+  </p:clrMapOvr>
+</p:sld>
+</file>
+
 <file path=ppt/theme/theme1.xml><?xml version="1.0" encoding="utf-8"?>
 <a:theme xmlns:a="http://schemas.openxmlformats.org/drawingml/2006/main" name="Office 主题​​">
   <a:themeElements>
